--- a/01 Ритейл/Задание.pptx
+++ b/01 Ритейл/Задание.pptx
@@ -2462,7 +2462,7 @@
           <a:graphicData uri="http://schemas.openxmlformats.org/presentationml/2006/ole">
             <mc:AlternateContent xmlns:mc="http://schemas.openxmlformats.org/markup-compatibility/2006">
               <mc:Choice xmlns:v="urn:schemas-microsoft-com:vml" Requires="v">
-                <p:oleObj spid="_x0000_s1114" name="Слайд think-cell" r:id="rId15" imgW="473" imgH="473" progId="TCLayout.ActiveDocument.1">
+                <p:oleObj spid="_x0000_s1116" name="Слайд think-cell" r:id="rId15" imgW="473" imgH="473" progId="TCLayout.ActiveDocument.1">
                   <p:embed/>
                 </p:oleObj>
               </mc:Choice>
@@ -3053,7 +3053,7 @@
           <a:graphicData uri="http://schemas.openxmlformats.org/presentationml/2006/ole">
             <mc:AlternateContent xmlns:mc="http://schemas.openxmlformats.org/markup-compatibility/2006">
               <mc:Choice xmlns:v="urn:schemas-microsoft-com:vml" Requires="v">
-                <p:oleObj spid="_x0000_s27664" name="Слайд think-cell" r:id="rId4" imgW="473" imgH="473" progId="TCLayout.ActiveDocument.1">
+                <p:oleObj spid="_x0000_s27666" name="Слайд think-cell" r:id="rId4" imgW="473" imgH="473" progId="TCLayout.ActiveDocument.1">
                   <p:embed/>
                 </p:oleObj>
               </mc:Choice>
@@ -3232,8 +3232,28 @@
               </a:spcBef>
             </a:pPr>
             <a:r>
+              <a:rPr lang="ru-RU" b="1" dirty="0"/>
+              <a:t>Задачи</a:t>
+            </a:r>
+            <a:r>
+              <a:rPr lang="en-US" b="1" dirty="0"/>
+              <a:t> </a:t>
+            </a:r>
+            <a:r>
+              <a:rPr lang="ru-RU" b="1" dirty="0"/>
+              <a:t>для реализации в </a:t>
+            </a:r>
+            <a:r>
+              <a:rPr lang="en-US" b="1" dirty="0"/>
+              <a:t>Power </a:t>
+            </a:r>
+            <a:r>
+              <a:rPr lang="en-US" b="1" dirty="0" smtClean="0"/>
+              <a:t>BI</a:t>
+            </a:r>
+            <a:r>
               <a:rPr lang="ru-RU" b="1" dirty="0" smtClean="0"/>
-              <a:t>Задачи:</a:t>
+              <a:t>:</a:t>
             </a:r>
             <a:endParaRPr lang="ru-RU" b="1" dirty="0"/>
           </a:p>
